--- a/GoStudy.pptx
+++ b/GoStudy.pptx
@@ -5,7 +5,7 @@
     <p:sldMasterId id="2147483780" r:id="rId1"/>
   </p:sldMasterIdLst>
   <p:notesMasterIdLst>
-    <p:notesMasterId r:id="rId12"/>
+    <p:notesMasterId r:id="rId14"/>
   </p:notesMasterIdLst>
   <p:sldIdLst>
     <p:sldId id="261" r:id="rId2"/>
@@ -17,7 +17,9 @@
     <p:sldId id="260" r:id="rId8"/>
     <p:sldId id="264" r:id="rId9"/>
     <p:sldId id="263" r:id="rId10"/>
-    <p:sldId id="265" r:id="rId11"/>
+    <p:sldId id="266" r:id="rId11"/>
+    <p:sldId id="267" r:id="rId12"/>
+    <p:sldId id="269" r:id="rId13"/>
   </p:sldIdLst>
   <p:sldSz cx="9144000" cy="6858000" type="screen4x3"/>
   <p:notesSz cx="6858000" cy="9144000"/>
@@ -201,7 +203,7 @@
           <a:p>
             <a:fld id="{479DE076-7DD3-430D-873F-0C2D7986ADDE}" type="datetimeFigureOut">
               <a:rPr lang="zh-CN" altLang="en-US" smtClean="0"/>
-              <a:t>2016/8/9</a:t>
+              <a:t>2016/8/12</a:t>
             </a:fld>
             <a:endParaRPr lang="zh-CN" altLang="en-US"/>
           </a:p>
@@ -829,7 +831,7 @@
           <a:p>
             <a:fld id="{530820CF-B880-4189-942D-D702A7CBA730}" type="datetimeFigureOut">
               <a:rPr lang="zh-CN" altLang="en-US" smtClean="0"/>
-              <a:t>2016/8/8</a:t>
+              <a:t>2016/8/12</a:t>
             </a:fld>
             <a:endParaRPr lang="zh-CN" altLang="en-US"/>
           </a:p>
@@ -994,7 +996,7 @@
           <a:p>
             <a:fld id="{530820CF-B880-4189-942D-D702A7CBA730}" type="datetimeFigureOut">
               <a:rPr lang="zh-CN" altLang="en-US" smtClean="0"/>
-              <a:t>2016/8/8</a:t>
+              <a:t>2016/8/12</a:t>
             </a:fld>
             <a:endParaRPr lang="zh-CN" altLang="en-US"/>
           </a:p>
@@ -1169,7 +1171,7 @@
           <a:p>
             <a:fld id="{530820CF-B880-4189-942D-D702A7CBA730}" type="datetimeFigureOut">
               <a:rPr lang="zh-CN" altLang="en-US" smtClean="0"/>
-              <a:t>2016/8/8</a:t>
+              <a:t>2016/8/12</a:t>
             </a:fld>
             <a:endParaRPr lang="zh-CN" altLang="en-US"/>
           </a:p>
@@ -1352,7 +1354,7 @@
           <a:p>
             <a:fld id="{530820CF-B880-4189-942D-D702A7CBA730}" type="datetimeFigureOut">
               <a:rPr lang="zh-CN" altLang="en-US" smtClean="0"/>
-              <a:t>2016/8/8</a:t>
+              <a:t>2016/8/12</a:t>
             </a:fld>
             <a:endParaRPr lang="zh-CN" altLang="en-US"/>
           </a:p>
@@ -1614,7 +1616,7 @@
           <a:p>
             <a:fld id="{530820CF-B880-4189-942D-D702A7CBA730}" type="datetimeFigureOut">
               <a:rPr lang="zh-CN" altLang="en-US" smtClean="0"/>
-              <a:t>2016/8/8</a:t>
+              <a:t>2016/8/12</a:t>
             </a:fld>
             <a:endParaRPr lang="zh-CN" altLang="en-US"/>
           </a:p>
@@ -1962,7 +1964,7 @@
           <a:p>
             <a:fld id="{530820CF-B880-4189-942D-D702A7CBA730}" type="datetimeFigureOut">
               <a:rPr lang="zh-CN" altLang="en-US" smtClean="0"/>
-              <a:t>2016/8/8</a:t>
+              <a:t>2016/8/12</a:t>
             </a:fld>
             <a:endParaRPr lang="zh-CN" altLang="en-US"/>
           </a:p>
@@ -2270,7 +2272,7 @@
           <a:p>
             <a:fld id="{530820CF-B880-4189-942D-D702A7CBA730}" type="datetimeFigureOut">
               <a:rPr lang="zh-CN" altLang="en-US" smtClean="0"/>
-              <a:t>2016/8/8</a:t>
+              <a:t>2016/8/12</a:t>
             </a:fld>
             <a:endParaRPr lang="zh-CN" altLang="en-US"/>
           </a:p>
@@ -2497,7 +2499,7 @@
           <a:p>
             <a:fld id="{530820CF-B880-4189-942D-D702A7CBA730}" type="datetimeFigureOut">
               <a:rPr lang="zh-CN" altLang="en-US" smtClean="0"/>
-              <a:t>2016/8/8</a:t>
+              <a:t>2016/8/12</a:t>
             </a:fld>
             <a:endParaRPr lang="zh-CN" altLang="en-US"/>
           </a:p>
@@ -2587,7 +2589,7 @@
           <a:p>
             <a:fld id="{530820CF-B880-4189-942D-D702A7CBA730}" type="datetimeFigureOut">
               <a:rPr lang="zh-CN" altLang="en-US" smtClean="0"/>
-              <a:t>2016/8/8</a:t>
+              <a:t>2016/8/12</a:t>
             </a:fld>
             <a:endParaRPr lang="zh-CN" altLang="en-US"/>
           </a:p>
@@ -2875,7 +2877,7 @@
           <a:p>
             <a:fld id="{530820CF-B880-4189-942D-D702A7CBA730}" type="datetimeFigureOut">
               <a:rPr lang="zh-CN" altLang="en-US" smtClean="0"/>
-              <a:t>2016/8/8</a:t>
+              <a:t>2016/8/12</a:t>
             </a:fld>
             <a:endParaRPr lang="zh-CN" altLang="en-US"/>
           </a:p>
@@ -3144,7 +3146,7 @@
           <a:p>
             <a:fld id="{530820CF-B880-4189-942D-D702A7CBA730}" type="datetimeFigureOut">
               <a:rPr lang="zh-CN" altLang="en-US" smtClean="0"/>
-              <a:t>2016/8/8</a:t>
+              <a:t>2016/8/12</a:t>
             </a:fld>
             <a:endParaRPr lang="zh-CN" altLang="en-US"/>
           </a:p>
@@ -3354,7 +3356,7 @@
           <a:p>
             <a:fld id="{530820CF-B880-4189-942D-D702A7CBA730}" type="datetimeFigureOut">
               <a:rPr lang="zh-CN" altLang="en-US" smtClean="0"/>
-              <a:t>2016/8/8</a:t>
+              <a:t>2016/8/12</a:t>
             </a:fld>
             <a:endParaRPr lang="zh-CN" altLang="en-US"/>
           </a:p>
@@ -4274,23 +4276,842 @@
           <a:chExt cx="0" cy="0"/>
         </a:xfrm>
       </p:grpSpPr>
+      <p:sp>
+        <p:nvSpPr>
+          <p:cNvPr id="2" name="标题 1"/>
+          <p:cNvSpPr>
+            <a:spLocks noGrp="1"/>
+          </p:cNvSpPr>
+          <p:nvPr>
+            <p:ph type="title"/>
+          </p:nvPr>
+        </p:nvSpPr>
+        <p:spPr/>
+        <p:txBody>
+          <a:bodyPr/>
+          <a:lstStyle/>
+          <a:p>
+            <a:r>
+              <a:rPr lang="en-US" altLang="zh-CN" dirty="0" smtClean="0"/>
+              <a:t>Ginkgo</a:t>
+            </a:r>
+            <a:r>
+              <a:rPr lang="en-US" altLang="zh-CN" dirty="0"/>
+              <a:t/>
+            </a:r>
+            <a:br>
+              <a:rPr lang="en-US" altLang="zh-CN" dirty="0"/>
+            </a:br>
+            <a:r>
+              <a:rPr lang="en-US" altLang="zh-CN" sz="1800" dirty="0"/>
+              <a:t>A </a:t>
+            </a:r>
+            <a:r>
+              <a:rPr lang="en-US" altLang="zh-CN" sz="1800" dirty="0" err="1"/>
+              <a:t>Golang</a:t>
+            </a:r>
+            <a:r>
+              <a:rPr lang="en-US" altLang="zh-CN" sz="1800" dirty="0"/>
+              <a:t> BDD Testing Framework</a:t>
+            </a:r>
+            <a:endParaRPr lang="zh-CN" altLang="en-US" sz="1800" dirty="0"/>
+          </a:p>
+        </p:txBody>
+      </p:sp>
+      <p:sp>
+        <p:nvSpPr>
+          <p:cNvPr id="3" name="内容占位符 2"/>
+          <p:cNvSpPr>
+            <a:spLocks noGrp="1"/>
+          </p:cNvSpPr>
+          <p:nvPr>
+            <p:ph idx="1"/>
+          </p:nvPr>
+        </p:nvSpPr>
+        <p:spPr/>
+        <p:txBody>
+          <a:bodyPr>
+            <a:normAutofit/>
+          </a:bodyPr>
+          <a:lstStyle/>
+          <a:p>
+            <a:r>
+              <a:rPr lang="en-US" altLang="zh-CN" sz="2000" dirty="0">
+                <a:hlinkClick r:id="rId2"/>
+              </a:rPr>
+              <a:t>Ginkgo</a:t>
+            </a:r>
+            <a:r>
+              <a:rPr lang="en-US" altLang="zh-CN" sz="2000" dirty="0"/>
+              <a:t> is a BDD-style </a:t>
+            </a:r>
+            <a:r>
+              <a:rPr lang="en-US" altLang="zh-CN" sz="2000" dirty="0" err="1"/>
+              <a:t>Golang</a:t>
+            </a:r>
+            <a:r>
+              <a:rPr lang="en-US" altLang="zh-CN" sz="2000" dirty="0"/>
+              <a:t> testing framework built to help you efficiently write expressive and comprehensive tests. It is best paired with </a:t>
+            </a:r>
+            <a:r>
+              <a:rPr lang="en-US" altLang="zh-CN" sz="2000" dirty="0" err="1"/>
+              <a:t>the</a:t>
+            </a:r>
+            <a:r>
+              <a:rPr lang="en-US" altLang="zh-CN" sz="2000" dirty="0" err="1">
+                <a:hlinkClick r:id="rId3"/>
+              </a:rPr>
+              <a:t>Gomega</a:t>
+            </a:r>
+            <a:r>
+              <a:rPr lang="en-US" altLang="zh-CN" sz="2000" dirty="0"/>
+              <a:t> matcher library but is designed to be matcher-agnostic</a:t>
+            </a:r>
+            <a:r>
+              <a:rPr lang="en-US" altLang="zh-CN" sz="2000" dirty="0" smtClean="0"/>
+              <a:t>.</a:t>
+            </a:r>
+          </a:p>
+          <a:p>
+            <a:endParaRPr lang="en-US" altLang="zh-CN" sz="2000" dirty="0"/>
+          </a:p>
+          <a:p>
+            <a:r>
+              <a:rPr lang="en-US" altLang="zh-CN" sz="2000" dirty="0"/>
+              <a:t>These docs are written assuming you’ll be using </a:t>
+            </a:r>
+            <a:r>
+              <a:rPr lang="en-US" altLang="zh-CN" sz="2000" dirty="0" err="1"/>
+              <a:t>Gomega</a:t>
+            </a:r>
+            <a:r>
+              <a:rPr lang="en-US" altLang="zh-CN" sz="2000" dirty="0"/>
+              <a:t> with Ginkgo. They also assume you know your way around Go and have a good mental model for how Go organizes packages under </a:t>
+            </a:r>
+            <a:r>
+              <a:rPr lang="en-US" altLang="zh-CN" sz="2000" dirty="0"/>
+              <a:t>$GOPATH</a:t>
+            </a:r>
+            <a:r>
+              <a:rPr lang="en-US" altLang="zh-CN" sz="2000" dirty="0"/>
+              <a:t>.</a:t>
+            </a:r>
+            <a:endParaRPr lang="zh-CN" altLang="en-US" sz="2000" dirty="0"/>
+          </a:p>
+        </p:txBody>
+      </p:sp>
     </p:spTree>
     <p:extLst>
       <p:ext uri="{BB962C8B-B14F-4D97-AF65-F5344CB8AC3E}">
-        <p14:creationId xmlns:p14="http://schemas.microsoft.com/office/powerpoint/2010/main" val="3990877068"/>
+        <p14:creationId xmlns:p14="http://schemas.microsoft.com/office/powerpoint/2010/main" val="3575053866"/>
       </p:ext>
     </p:extLst>
   </p:cSld>
   <p:clrMapOvr>
     <a:masterClrMapping/>
   </p:clrMapOvr>
-  <p:timing>
-    <p:tnLst>
-      <p:par>
-        <p:cTn id="1" dur="indefinite" restart="never" nodeType="tmRoot"/>
-      </p:par>
-    </p:tnLst>
-  </p:timing>
+</p:sld>
+</file>
+
+<file path=ppt/slides/slide11.xml><?xml version="1.0" encoding="utf-8"?>
+<p:sld xmlns:a="http://schemas.openxmlformats.org/drawingml/2006/main" xmlns:r="http://schemas.openxmlformats.org/officeDocument/2006/relationships" xmlns:p="http://schemas.openxmlformats.org/presentationml/2006/main">
+  <p:cSld>
+    <p:spTree>
+      <p:nvGrpSpPr>
+        <p:cNvPr id="1" name=""/>
+        <p:cNvGrpSpPr/>
+        <p:nvPr/>
+      </p:nvGrpSpPr>
+      <p:grpSpPr>
+        <a:xfrm>
+          <a:off x="0" y="0"/>
+          <a:ext cx="0" cy="0"/>
+          <a:chOff x="0" y="0"/>
+          <a:chExt cx="0" cy="0"/>
+        </a:xfrm>
+      </p:grpSpPr>
+      <p:pic>
+        <p:nvPicPr>
+          <p:cNvPr id="1028" name="Picture 4"/>
+          <p:cNvPicPr>
+            <a:picLocks noChangeAspect="1" noChangeArrowheads="1"/>
+          </p:cNvPicPr>
+          <p:nvPr/>
+        </p:nvPicPr>
+        <p:blipFill>
+          <a:blip r:embed="rId2">
+            <a:extLst>
+              <a:ext uri="{28A0092B-C50C-407E-A947-70E740481C1C}">
+                <a14:useLocalDpi xmlns:a14="http://schemas.microsoft.com/office/drawing/2010/main" val="0"/>
+              </a:ext>
+            </a:extLst>
+          </a:blip>
+          <a:srcRect/>
+          <a:stretch>
+            <a:fillRect/>
+          </a:stretch>
+        </p:blipFill>
+        <p:spPr bwMode="auto">
+          <a:xfrm>
+            <a:off x="2843808" y="1700808"/>
+            <a:ext cx="4010025" cy="1514475"/>
+          </a:xfrm>
+          <a:prstGeom prst="rect">
+            <a:avLst/>
+          </a:prstGeom>
+          <a:noFill/>
+          <a:ln>
+            <a:noFill/>
+          </a:ln>
+          <a:effectLst/>
+          <a:extLst>
+            <a:ext uri="{909E8E84-426E-40DD-AFC4-6F175D3DCCD1}">
+              <a14:hiddenFill xmlns:a14="http://schemas.microsoft.com/office/drawing/2010/main">
+                <a:solidFill>
+                  <a:schemeClr val="accent1"/>
+                </a:solidFill>
+              </a14:hiddenFill>
+            </a:ext>
+            <a:ext uri="{91240B29-F687-4F45-9708-019B960494DF}">
+              <a14:hiddenLine xmlns:a14="http://schemas.microsoft.com/office/drawing/2010/main" w="9525">
+                <a:solidFill>
+                  <a:schemeClr val="tx1"/>
+                </a:solidFill>
+                <a:miter lim="800000"/>
+                <a:headEnd/>
+                <a:tailEnd/>
+              </a14:hiddenLine>
+            </a:ext>
+            <a:ext uri="{AF507438-7753-43E0-B8FC-AC1667EBCBE1}">
+              <a14:hiddenEffects xmlns:a14="http://schemas.microsoft.com/office/drawing/2010/main">
+                <a:effectLst>
+                  <a:outerShdw dist="35921" dir="2700000" algn="ctr" rotWithShape="0">
+                    <a:schemeClr val="bg2"/>
+                  </a:outerShdw>
+                </a:effectLst>
+              </a14:hiddenEffects>
+            </a:ext>
+          </a:extLst>
+        </p:spPr>
+      </p:pic>
+      <p:sp>
+        <p:nvSpPr>
+          <p:cNvPr id="6" name="矩形 5"/>
+          <p:cNvSpPr/>
+          <p:nvPr/>
+        </p:nvSpPr>
+        <p:spPr>
+          <a:xfrm>
+            <a:off x="251520" y="476672"/>
+            <a:ext cx="8424936" cy="4154984"/>
+          </a:xfrm>
+          <a:prstGeom prst="rect">
+            <a:avLst/>
+          </a:prstGeom>
+        </p:spPr>
+        <p:txBody>
+          <a:bodyPr wrap="square">
+            <a:spAutoFit/>
+          </a:bodyPr>
+          <a:lstStyle/>
+          <a:p>
+            <a:r>
+              <a:rPr lang="en-US" altLang="zh-CN" sz="1400" b="1" dirty="0"/>
+              <a:t>1. </a:t>
+            </a:r>
+            <a:r>
+              <a:rPr lang="zh-CN" altLang="en-US" sz="1400" b="1" dirty="0"/>
+              <a:t>获取方式</a:t>
+            </a:r>
+            <a:r>
+              <a:rPr lang="en-US" altLang="zh-CN" sz="1400" b="1" dirty="0"/>
+              <a:t>:</a:t>
+            </a:r>
+          </a:p>
+          <a:p>
+            <a:r>
+              <a:rPr lang="en-US" altLang="zh-CN" sz="1400" b="1" dirty="0"/>
+              <a:t>  $ go get github.com/</a:t>
+            </a:r>
+            <a:r>
+              <a:rPr lang="en-US" altLang="zh-CN" sz="1400" b="1" dirty="0" err="1"/>
+              <a:t>onsi</a:t>
+            </a:r>
+            <a:r>
+              <a:rPr lang="en-US" altLang="zh-CN" sz="1400" b="1" dirty="0"/>
+              <a:t>/ginkgo/ginkgo</a:t>
+            </a:r>
+          </a:p>
+          <a:p>
+            <a:r>
+              <a:rPr lang="en-US" altLang="zh-CN" sz="1400" b="1" dirty="0"/>
+              <a:t>  $ go get github.com/</a:t>
+            </a:r>
+            <a:r>
+              <a:rPr lang="en-US" altLang="zh-CN" sz="1400" b="1" dirty="0" err="1"/>
+              <a:t>onsi</a:t>
+            </a:r>
+            <a:r>
+              <a:rPr lang="en-US" altLang="zh-CN" sz="1400" b="1" dirty="0"/>
+              <a:t>/</a:t>
+            </a:r>
+            <a:r>
+              <a:rPr lang="en-US" altLang="zh-CN" sz="1400" b="1" dirty="0" err="1"/>
+              <a:t>gomega</a:t>
+            </a:r>
+            <a:endParaRPr lang="en-US" altLang="zh-CN" sz="1400" b="1" dirty="0"/>
+          </a:p>
+          <a:p>
+            <a:r>
+              <a:rPr lang="en-US" altLang="zh-CN" sz="1400" b="1" dirty="0"/>
+              <a:t>       </a:t>
+            </a:r>
+          </a:p>
+          <a:p>
+            <a:endParaRPr lang="en-US" altLang="zh-CN" sz="1400" b="1" dirty="0"/>
+          </a:p>
+          <a:p>
+            <a:r>
+              <a:rPr lang="en-US" altLang="zh-CN" sz="1400" b="1" dirty="0"/>
+              <a:t>2. </a:t>
+            </a:r>
+            <a:r>
+              <a:rPr lang="zh-CN" altLang="en-US" sz="1400" b="1" dirty="0"/>
+              <a:t>生成测试套件</a:t>
+            </a:r>
+          </a:p>
+          <a:p>
+            <a:r>
+              <a:rPr lang="zh-CN" altLang="en-US" sz="1400" b="1" dirty="0"/>
+              <a:t>	</a:t>
+            </a:r>
+            <a:r>
+              <a:rPr lang="en-US" altLang="zh-CN" sz="1400" b="1" dirty="0"/>
+              <a:t>ginkgo </a:t>
+            </a:r>
+            <a:r>
+              <a:rPr lang="en-US" altLang="zh-CN" sz="1400" b="1" dirty="0" smtClean="0"/>
+              <a:t>bootstrap</a:t>
+            </a:r>
+          </a:p>
+          <a:p>
+            <a:endParaRPr lang="en-US" altLang="zh-CN" sz="1400" b="1" dirty="0"/>
+          </a:p>
+          <a:p>
+            <a:endParaRPr lang="en-US" altLang="zh-CN" sz="1400" b="1" dirty="0" smtClean="0"/>
+          </a:p>
+          <a:p>
+            <a:endParaRPr lang="en-US" altLang="zh-CN" sz="1400" b="1" dirty="0"/>
+          </a:p>
+          <a:p>
+            <a:endParaRPr lang="en-US" altLang="zh-CN" sz="1400" b="1" dirty="0" smtClean="0"/>
+          </a:p>
+          <a:p>
+            <a:endParaRPr lang="en-US" altLang="zh-CN" sz="1400" b="1" dirty="0"/>
+          </a:p>
+          <a:p>
+            <a:endParaRPr lang="en-US" altLang="zh-CN" sz="1400" b="1" dirty="0" smtClean="0"/>
+          </a:p>
+          <a:p>
+            <a:endParaRPr lang="en-US" altLang="zh-CN" sz="1400" b="1" dirty="0"/>
+          </a:p>
+          <a:p>
+            <a:r>
+              <a:rPr lang="en-US" altLang="zh-CN" sz="1400" b="1" dirty="0"/>
+              <a:t>	</a:t>
+            </a:r>
+            <a:r>
+              <a:rPr lang="zh-CN" altLang="en-US" sz="1400" b="1" dirty="0"/>
+              <a:t>简单测试： </a:t>
+            </a:r>
+            <a:r>
+              <a:rPr lang="en-US" altLang="zh-CN" sz="1400" b="1" dirty="0"/>
+              <a:t>ginkgo / go test  </a:t>
+            </a:r>
+            <a:endParaRPr lang="en-US" altLang="zh-CN" sz="1400" b="1" dirty="0" smtClean="0"/>
+          </a:p>
+          <a:p>
+            <a:endParaRPr lang="en-US" altLang="zh-CN" b="1" dirty="0"/>
+          </a:p>
+          <a:p>
+            <a:endParaRPr lang="en-US" altLang="zh-CN" b="1" dirty="0" smtClean="0"/>
+          </a:p>
+          <a:p>
+            <a:endParaRPr lang="en-US" altLang="zh-CN" b="1" dirty="0"/>
+          </a:p>
+        </p:txBody>
+      </p:sp>
+      <p:pic>
+        <p:nvPicPr>
+          <p:cNvPr id="1032" name="Picture 8"/>
+          <p:cNvPicPr>
+            <a:picLocks noChangeAspect="1" noChangeArrowheads="1"/>
+          </p:cNvPicPr>
+          <p:nvPr/>
+        </p:nvPicPr>
+        <p:blipFill>
+          <a:blip r:embed="rId3">
+            <a:extLst>
+              <a:ext uri="{28A0092B-C50C-407E-A947-70E740481C1C}">
+                <a14:useLocalDpi xmlns:a14="http://schemas.microsoft.com/office/drawing/2010/main" val="0"/>
+              </a:ext>
+            </a:extLst>
+          </a:blip>
+          <a:srcRect/>
+          <a:stretch>
+            <a:fillRect/>
+          </a:stretch>
+        </p:blipFill>
+        <p:spPr bwMode="auto">
+          <a:xfrm>
+            <a:off x="2627784" y="3789040"/>
+            <a:ext cx="4991100" cy="2143125"/>
+          </a:xfrm>
+          <a:prstGeom prst="rect">
+            <a:avLst/>
+          </a:prstGeom>
+          <a:noFill/>
+          <a:ln>
+            <a:noFill/>
+          </a:ln>
+          <a:effectLst/>
+          <a:extLst>
+            <a:ext uri="{909E8E84-426E-40DD-AFC4-6F175D3DCCD1}">
+              <a14:hiddenFill xmlns:a14="http://schemas.microsoft.com/office/drawing/2010/main">
+                <a:solidFill>
+                  <a:schemeClr val="accent1"/>
+                </a:solidFill>
+              </a14:hiddenFill>
+            </a:ext>
+            <a:ext uri="{91240B29-F687-4F45-9708-019B960494DF}">
+              <a14:hiddenLine xmlns:a14="http://schemas.microsoft.com/office/drawing/2010/main" w="9525">
+                <a:solidFill>
+                  <a:schemeClr val="tx1"/>
+                </a:solidFill>
+                <a:miter lim="800000"/>
+                <a:headEnd/>
+                <a:tailEnd/>
+              </a14:hiddenLine>
+            </a:ext>
+            <a:ext uri="{AF507438-7753-43E0-B8FC-AC1667EBCBE1}">
+              <a14:hiddenEffects xmlns:a14="http://schemas.microsoft.com/office/drawing/2010/main">
+                <a:effectLst>
+                  <a:outerShdw dist="35921" dir="2700000" algn="ctr" rotWithShape="0">
+                    <a:schemeClr val="bg2"/>
+                  </a:outerShdw>
+                </a:effectLst>
+              </a14:hiddenEffects>
+            </a:ext>
+          </a:extLst>
+        </p:spPr>
+      </p:pic>
+    </p:spTree>
+    <p:extLst>
+      <p:ext uri="{BB962C8B-B14F-4D97-AF65-F5344CB8AC3E}">
+        <p14:creationId xmlns:p14="http://schemas.microsoft.com/office/powerpoint/2010/main" val="1737764808"/>
+      </p:ext>
+    </p:extLst>
+  </p:cSld>
+  <p:clrMapOvr>
+    <a:masterClrMapping/>
+  </p:clrMapOvr>
+</p:sld>
+</file>
+
+<file path=ppt/slides/slide12.xml><?xml version="1.0" encoding="utf-8"?>
+<p:sld xmlns:a="http://schemas.openxmlformats.org/drawingml/2006/main" xmlns:r="http://schemas.openxmlformats.org/officeDocument/2006/relationships" xmlns:p="http://schemas.openxmlformats.org/presentationml/2006/main">
+  <p:cSld>
+    <p:spTree>
+      <p:nvGrpSpPr>
+        <p:cNvPr id="1" name=""/>
+        <p:cNvGrpSpPr/>
+        <p:nvPr/>
+      </p:nvGrpSpPr>
+      <p:grpSpPr>
+        <a:xfrm>
+          <a:off x="0" y="0"/>
+          <a:ext cx="0" cy="0"/>
+          <a:chOff x="0" y="0"/>
+          <a:chExt cx="0" cy="0"/>
+        </a:xfrm>
+      </p:grpSpPr>
+      <p:sp>
+        <p:nvSpPr>
+          <p:cNvPr id="3" name="矩形 2"/>
+          <p:cNvSpPr/>
+          <p:nvPr/>
+        </p:nvSpPr>
+        <p:spPr>
+          <a:xfrm>
+            <a:off x="467544" y="260648"/>
+            <a:ext cx="5112568" cy="3323987"/>
+          </a:xfrm>
+          <a:prstGeom prst="rect">
+            <a:avLst/>
+          </a:prstGeom>
+        </p:spPr>
+        <p:txBody>
+          <a:bodyPr wrap="square">
+            <a:spAutoFit/>
+          </a:bodyPr>
+          <a:lstStyle/>
+          <a:p>
+            <a:r>
+              <a:rPr lang="en-US" altLang="zh-CN" sz="1400" dirty="0"/>
+              <a:t>3, </a:t>
+            </a:r>
+            <a:r>
+              <a:rPr lang="zh-CN" altLang="en-US" sz="1400" dirty="0"/>
+              <a:t>添加</a:t>
+            </a:r>
+            <a:r>
+              <a:rPr lang="zh-CN" altLang="en-US" sz="1400" dirty="0" smtClean="0"/>
+              <a:t>测试</a:t>
+            </a:r>
+            <a:r>
+              <a:rPr lang="zh-CN" altLang="en-US" sz="1400" dirty="0"/>
+              <a:t>文件</a:t>
+            </a:r>
+          </a:p>
+          <a:p>
+            <a:r>
+              <a:rPr lang="zh-CN" altLang="en-US" sz="1400" dirty="0"/>
+              <a:t>	</a:t>
+            </a:r>
+            <a:r>
+              <a:rPr lang="en-US" altLang="zh-CN" sz="1400" dirty="0"/>
+              <a:t>ginkgo generate book</a:t>
+            </a:r>
+          </a:p>
+          <a:p>
+            <a:r>
+              <a:rPr lang="en-US" altLang="zh-CN" sz="1400" dirty="0"/>
+              <a:t>	</a:t>
+            </a:r>
+          </a:p>
+          <a:p>
+            <a:r>
+              <a:rPr lang="en-US" altLang="zh-CN" sz="1400" dirty="0"/>
+              <a:t>	</a:t>
+            </a:r>
+            <a:r>
+              <a:rPr lang="zh-CN" altLang="en-US" sz="1400" dirty="0"/>
+              <a:t>内容：</a:t>
+            </a:r>
+          </a:p>
+          <a:p>
+            <a:r>
+              <a:rPr lang="zh-CN" altLang="en-US" sz="1400" dirty="0"/>
+              <a:t>	</a:t>
+            </a:r>
+            <a:r>
+              <a:rPr lang="en-US" altLang="zh-CN" sz="1400" dirty="0"/>
+              <a:t>package </a:t>
+            </a:r>
+            <a:r>
+              <a:rPr lang="en-US" altLang="zh-CN" sz="1400" dirty="0" err="1"/>
+              <a:t>books_test</a:t>
+            </a:r>
+            <a:endParaRPr lang="en-US" altLang="zh-CN" sz="1400" dirty="0"/>
+          </a:p>
+          <a:p>
+            <a:endParaRPr lang="en-US" altLang="zh-CN" sz="1400" dirty="0"/>
+          </a:p>
+          <a:p>
+            <a:r>
+              <a:rPr lang="en-US" altLang="zh-CN" sz="1400" dirty="0"/>
+              <a:t>	import (</a:t>
+            </a:r>
+          </a:p>
+          <a:p>
+            <a:r>
+              <a:rPr lang="en-US" altLang="zh-CN" sz="1400" dirty="0"/>
+              <a:t>		. "/path/to/books"</a:t>
+            </a:r>
+          </a:p>
+          <a:p>
+            <a:r>
+              <a:rPr lang="en-US" altLang="zh-CN" sz="1400" dirty="0"/>
+              <a:t>		. "github.com/</a:t>
+            </a:r>
+            <a:r>
+              <a:rPr lang="en-US" altLang="zh-CN" sz="1400" dirty="0" err="1"/>
+              <a:t>onsi</a:t>
+            </a:r>
+            <a:r>
+              <a:rPr lang="en-US" altLang="zh-CN" sz="1400" dirty="0"/>
+              <a:t>/ginkgo"</a:t>
+            </a:r>
+          </a:p>
+          <a:p>
+            <a:r>
+              <a:rPr lang="en-US" altLang="zh-CN" sz="1400" dirty="0"/>
+              <a:t>		. "github.com/</a:t>
+            </a:r>
+            <a:r>
+              <a:rPr lang="en-US" altLang="zh-CN" sz="1400" dirty="0" err="1"/>
+              <a:t>onsi</a:t>
+            </a:r>
+            <a:r>
+              <a:rPr lang="en-US" altLang="zh-CN" sz="1400" dirty="0"/>
+              <a:t>/</a:t>
+            </a:r>
+            <a:r>
+              <a:rPr lang="en-US" altLang="zh-CN" sz="1400" dirty="0" err="1"/>
+              <a:t>gomega</a:t>
+            </a:r>
+            <a:r>
+              <a:rPr lang="en-US" altLang="zh-CN" sz="1400" dirty="0"/>
+              <a:t>"</a:t>
+            </a:r>
+          </a:p>
+          <a:p>
+            <a:r>
+              <a:rPr lang="en-US" altLang="zh-CN" sz="1400" dirty="0"/>
+              <a:t>	)</a:t>
+            </a:r>
+          </a:p>
+          <a:p>
+            <a:endParaRPr lang="en-US" altLang="zh-CN" sz="1400" dirty="0"/>
+          </a:p>
+          <a:p>
+            <a:r>
+              <a:rPr lang="en-US" altLang="zh-CN" sz="1400" dirty="0"/>
+              <a:t>	</a:t>
+            </a:r>
+            <a:r>
+              <a:rPr lang="en-US" altLang="zh-CN" sz="1400" dirty="0" err="1"/>
+              <a:t>var</a:t>
+            </a:r>
+            <a:r>
+              <a:rPr lang="en-US" altLang="zh-CN" sz="1400" dirty="0"/>
+              <a:t> _ = Describe("Book", </a:t>
+            </a:r>
+            <a:r>
+              <a:rPr lang="en-US" altLang="zh-CN" sz="1400" dirty="0" err="1"/>
+              <a:t>func</a:t>
+            </a:r>
+            <a:r>
+              <a:rPr lang="en-US" altLang="zh-CN" sz="1400" dirty="0"/>
+              <a:t>() {</a:t>
+            </a:r>
+          </a:p>
+          <a:p>
+            <a:endParaRPr lang="en-US" altLang="zh-CN" sz="1400" dirty="0"/>
+          </a:p>
+          <a:p>
+            <a:r>
+              <a:rPr lang="en-US" altLang="zh-CN" sz="1400" dirty="0"/>
+              <a:t>	})</a:t>
+            </a:r>
+            <a:endParaRPr lang="en-US" altLang="zh-CN" sz="1400" dirty="0"/>
+          </a:p>
+        </p:txBody>
+      </p:sp>
+      <p:pic>
+        <p:nvPicPr>
+          <p:cNvPr id="3074" name="Picture 2"/>
+          <p:cNvPicPr>
+            <a:picLocks noChangeAspect="1" noChangeArrowheads="1"/>
+          </p:cNvPicPr>
+          <p:nvPr/>
+        </p:nvPicPr>
+        <p:blipFill>
+          <a:blip r:embed="rId2">
+            <a:extLst>
+              <a:ext uri="{28A0092B-C50C-407E-A947-70E740481C1C}">
+                <a14:useLocalDpi xmlns:a14="http://schemas.microsoft.com/office/drawing/2010/main" val="0"/>
+              </a:ext>
+            </a:extLst>
+          </a:blip>
+          <a:srcRect/>
+          <a:stretch>
+            <a:fillRect/>
+          </a:stretch>
+        </p:blipFill>
+        <p:spPr bwMode="auto">
+          <a:xfrm>
+            <a:off x="4860032" y="620688"/>
+            <a:ext cx="4095750" cy="790575"/>
+          </a:xfrm>
+          <a:prstGeom prst="rect">
+            <a:avLst/>
+          </a:prstGeom>
+          <a:noFill/>
+          <a:ln>
+            <a:noFill/>
+          </a:ln>
+          <a:effectLst/>
+          <a:extLst>
+            <a:ext uri="{909E8E84-426E-40DD-AFC4-6F175D3DCCD1}">
+              <a14:hiddenFill xmlns:a14="http://schemas.microsoft.com/office/drawing/2010/main">
+                <a:solidFill>
+                  <a:schemeClr val="accent1"/>
+                </a:solidFill>
+              </a14:hiddenFill>
+            </a:ext>
+            <a:ext uri="{91240B29-F687-4F45-9708-019B960494DF}">
+              <a14:hiddenLine xmlns:a14="http://schemas.microsoft.com/office/drawing/2010/main" w="9525">
+                <a:solidFill>
+                  <a:schemeClr val="tx1"/>
+                </a:solidFill>
+                <a:miter lim="800000"/>
+                <a:headEnd/>
+                <a:tailEnd/>
+              </a14:hiddenLine>
+            </a:ext>
+            <a:ext uri="{AF507438-7753-43E0-B8FC-AC1667EBCBE1}">
+              <a14:hiddenEffects xmlns:a14="http://schemas.microsoft.com/office/drawing/2010/main">
+                <a:effectLst>
+                  <a:outerShdw dist="35921" dir="2700000" algn="ctr" rotWithShape="0">
+                    <a:schemeClr val="bg2"/>
+                  </a:outerShdw>
+                </a:effectLst>
+              </a14:hiddenEffects>
+            </a:ext>
+          </a:extLst>
+        </p:spPr>
+      </p:pic>
+      <p:pic>
+        <p:nvPicPr>
+          <p:cNvPr id="3075" name="Picture 3"/>
+          <p:cNvPicPr>
+            <a:picLocks noChangeAspect="1" noChangeArrowheads="1"/>
+          </p:cNvPicPr>
+          <p:nvPr/>
+        </p:nvPicPr>
+        <p:blipFill>
+          <a:blip r:embed="rId3">
+            <a:extLst>
+              <a:ext uri="{28A0092B-C50C-407E-A947-70E740481C1C}">
+                <a14:useLocalDpi xmlns:a14="http://schemas.microsoft.com/office/drawing/2010/main" val="0"/>
+              </a:ext>
+            </a:extLst>
+          </a:blip>
+          <a:srcRect/>
+          <a:stretch>
+            <a:fillRect/>
+          </a:stretch>
+        </p:blipFill>
+        <p:spPr bwMode="auto">
+          <a:xfrm>
+            <a:off x="4009231" y="4437112"/>
+            <a:ext cx="4972050" cy="2076450"/>
+          </a:xfrm>
+          <a:prstGeom prst="rect">
+            <a:avLst/>
+          </a:prstGeom>
+          <a:noFill/>
+          <a:ln>
+            <a:noFill/>
+          </a:ln>
+          <a:effectLst/>
+          <a:extLst>
+            <a:ext uri="{909E8E84-426E-40DD-AFC4-6F175D3DCCD1}">
+              <a14:hiddenFill xmlns:a14="http://schemas.microsoft.com/office/drawing/2010/main">
+                <a:solidFill>
+                  <a:schemeClr val="accent1"/>
+                </a:solidFill>
+              </a14:hiddenFill>
+            </a:ext>
+            <a:ext uri="{91240B29-F687-4F45-9708-019B960494DF}">
+              <a14:hiddenLine xmlns:a14="http://schemas.microsoft.com/office/drawing/2010/main" w="9525">
+                <a:solidFill>
+                  <a:schemeClr val="tx1"/>
+                </a:solidFill>
+                <a:miter lim="800000"/>
+                <a:headEnd/>
+                <a:tailEnd/>
+              </a14:hiddenLine>
+            </a:ext>
+            <a:ext uri="{AF507438-7753-43E0-B8FC-AC1667EBCBE1}">
+              <a14:hiddenEffects xmlns:a14="http://schemas.microsoft.com/office/drawing/2010/main">
+                <a:effectLst>
+                  <a:outerShdw dist="35921" dir="2700000" algn="ctr" rotWithShape="0">
+                    <a:schemeClr val="bg2"/>
+                  </a:outerShdw>
+                </a:effectLst>
+              </a14:hiddenEffects>
+            </a:ext>
+          </a:extLst>
+        </p:spPr>
+      </p:pic>
+      <p:sp>
+        <p:nvSpPr>
+          <p:cNvPr id="5" name="矩形 4"/>
+          <p:cNvSpPr/>
+          <p:nvPr/>
+        </p:nvSpPr>
+        <p:spPr>
+          <a:xfrm>
+            <a:off x="276994" y="4581128"/>
+            <a:ext cx="4572000" cy="1477328"/>
+          </a:xfrm>
+          <a:prstGeom prst="rect">
+            <a:avLst/>
+          </a:prstGeom>
+        </p:spPr>
+        <p:txBody>
+          <a:bodyPr>
+            <a:spAutoFit/>
+          </a:bodyPr>
+          <a:lstStyle/>
+          <a:p>
+            <a:r>
+              <a:rPr lang="en-US" altLang="zh-CN" dirty="0"/>
+              <a:t>4. </a:t>
+            </a:r>
+            <a:r>
+              <a:rPr lang="zh-CN" altLang="en-US" dirty="0"/>
+              <a:t>执行测试</a:t>
+            </a:r>
+          </a:p>
+          <a:p>
+            <a:r>
+              <a:rPr lang="zh-CN" altLang="en-US" dirty="0"/>
+              <a:t>	</a:t>
+            </a:r>
+            <a:r>
+              <a:rPr lang="en-US" altLang="zh-CN" dirty="0"/>
+              <a:t>ginkgo / go test</a:t>
+            </a:r>
+          </a:p>
+          <a:p>
+            <a:r>
+              <a:rPr lang="en-US" altLang="zh-CN" dirty="0"/>
+              <a:t>	ginkgo -v </a:t>
+            </a:r>
+          </a:p>
+          <a:p>
+            <a:r>
+              <a:rPr lang="en-US" altLang="zh-CN" dirty="0"/>
+              <a:t>	go test -</a:t>
+            </a:r>
+            <a:r>
+              <a:rPr lang="en-US" altLang="zh-CN" dirty="0" err="1"/>
+              <a:t>ginkgo.v</a:t>
+            </a:r>
+            <a:endParaRPr lang="en-US" altLang="zh-CN" dirty="0"/>
+          </a:p>
+          <a:p>
+            <a:r>
+              <a:rPr lang="en-US" altLang="zh-CN" dirty="0"/>
+              <a:t>	ginkgo -v --progress </a:t>
+            </a:r>
+            <a:endParaRPr lang="zh-CN" altLang="en-US" dirty="0"/>
+          </a:p>
+        </p:txBody>
+      </p:sp>
+    </p:spTree>
+    <p:extLst>
+      <p:ext uri="{BB962C8B-B14F-4D97-AF65-F5344CB8AC3E}">
+        <p14:creationId xmlns:p14="http://schemas.microsoft.com/office/powerpoint/2010/main" val="2070696023"/>
+      </p:ext>
+    </p:extLst>
+  </p:cSld>
+  <p:clrMapOvr>
+    <a:masterClrMapping/>
+  </p:clrMapOvr>
 </p:sld>
 </file>
 
@@ -4741,7 +5562,6 @@
               <a:rPr lang="zh-CN" altLang="en-US" dirty="0"/>
               <a:t>编程哲学：</a:t>
             </a:r>
-            <a:endParaRPr lang="zh-CN" altLang="en-US" dirty="0"/>
           </a:p>
         </p:txBody>
       </p:sp>
@@ -4791,7 +5611,7 @@
         <p:spPr>
           <a:xfrm>
             <a:off x="323528" y="260648"/>
-            <a:ext cx="8712968" cy="6336704"/>
+            <a:ext cx="8712968" cy="5632311"/>
           </a:xfrm>
           <a:prstGeom prst="rect">
             <a:avLst/>
@@ -5020,54 +5840,8 @@
           <a:p>
             <a:r>
               <a:rPr lang="zh-CN" altLang="en-US" dirty="0"/>
-              <a:t>	对比： </a:t>
-            </a:r>
-          </a:p>
-          <a:p>
-            <a:r>
-              <a:rPr lang="zh-CN" altLang="en-US" dirty="0"/>
               <a:t>	</a:t>
             </a:r>
-            <a:r>
-              <a:rPr lang="en-US" altLang="zh-CN" dirty="0"/>
-              <a:t>type </a:t>
-            </a:r>
-            <a:r>
-              <a:rPr lang="en-US" altLang="zh-CN" dirty="0" err="1"/>
-              <a:t>ea</a:t>
-            </a:r>
-            <a:r>
-              <a:rPr lang="en-US" altLang="zh-CN" dirty="0"/>
-              <a:t> </a:t>
-            </a:r>
-            <a:r>
-              <a:rPr lang="en-US" altLang="zh-CN" dirty="0" err="1"/>
-              <a:t>int</a:t>
-            </a:r>
-            <a:endParaRPr lang="en-US" altLang="zh-CN" dirty="0"/>
-          </a:p>
-          <a:p>
-            <a:r>
-              <a:rPr lang="en-US" altLang="zh-CN" dirty="0"/>
-              <a:t>	</a:t>
-            </a:r>
-            <a:r>
-              <a:rPr lang="en-US" altLang="zh-CN" dirty="0" err="1"/>
-              <a:t>var</a:t>
-            </a:r>
-            <a:r>
-              <a:rPr lang="en-US" altLang="zh-CN" dirty="0"/>
-              <a:t> a </a:t>
-            </a:r>
-            <a:r>
-              <a:rPr lang="en-US" altLang="zh-CN" dirty="0" err="1"/>
-              <a:t>ea</a:t>
-            </a:r>
-            <a:r>
-              <a:rPr lang="en-US" altLang="zh-CN" dirty="0"/>
-              <a:t> = 1</a:t>
-            </a:r>
-            <a:endParaRPr lang="zh-CN" altLang="en-US" dirty="0"/>
           </a:p>
         </p:txBody>
       </p:sp>

--- a/GoStudy.pptx
+++ b/GoStudy.pptx
@@ -203,7 +203,7 @@
           <a:p>
             <a:fld id="{479DE076-7DD3-430D-873F-0C2D7986ADDE}" type="datetimeFigureOut">
               <a:rPr lang="zh-CN" altLang="en-US" smtClean="0"/>
-              <a:t>2016/8/12</a:t>
+              <a:t>2016/8/14</a:t>
             </a:fld>
             <a:endParaRPr lang="zh-CN" altLang="en-US"/>
           </a:p>
@@ -831,7 +831,7 @@
           <a:p>
             <a:fld id="{530820CF-B880-4189-942D-D702A7CBA730}" type="datetimeFigureOut">
               <a:rPr lang="zh-CN" altLang="en-US" smtClean="0"/>
-              <a:t>2016/8/12</a:t>
+              <a:t>2016/8/14</a:t>
             </a:fld>
             <a:endParaRPr lang="zh-CN" altLang="en-US"/>
           </a:p>
@@ -996,7 +996,7 @@
           <a:p>
             <a:fld id="{530820CF-B880-4189-942D-D702A7CBA730}" type="datetimeFigureOut">
               <a:rPr lang="zh-CN" altLang="en-US" smtClean="0"/>
-              <a:t>2016/8/12</a:t>
+              <a:t>2016/8/14</a:t>
             </a:fld>
             <a:endParaRPr lang="zh-CN" altLang="en-US"/>
           </a:p>
@@ -1171,7 +1171,7 @@
           <a:p>
             <a:fld id="{530820CF-B880-4189-942D-D702A7CBA730}" type="datetimeFigureOut">
               <a:rPr lang="zh-CN" altLang="en-US" smtClean="0"/>
-              <a:t>2016/8/12</a:t>
+              <a:t>2016/8/14</a:t>
             </a:fld>
             <a:endParaRPr lang="zh-CN" altLang="en-US"/>
           </a:p>
@@ -1354,7 +1354,7 @@
           <a:p>
             <a:fld id="{530820CF-B880-4189-942D-D702A7CBA730}" type="datetimeFigureOut">
               <a:rPr lang="zh-CN" altLang="en-US" smtClean="0"/>
-              <a:t>2016/8/12</a:t>
+              <a:t>2016/8/14</a:t>
             </a:fld>
             <a:endParaRPr lang="zh-CN" altLang="en-US"/>
           </a:p>
@@ -1616,7 +1616,7 @@
           <a:p>
             <a:fld id="{530820CF-B880-4189-942D-D702A7CBA730}" type="datetimeFigureOut">
               <a:rPr lang="zh-CN" altLang="en-US" smtClean="0"/>
-              <a:t>2016/8/12</a:t>
+              <a:t>2016/8/14</a:t>
             </a:fld>
             <a:endParaRPr lang="zh-CN" altLang="en-US"/>
           </a:p>
@@ -1964,7 +1964,7 @@
           <a:p>
             <a:fld id="{530820CF-B880-4189-942D-D702A7CBA730}" type="datetimeFigureOut">
               <a:rPr lang="zh-CN" altLang="en-US" smtClean="0"/>
-              <a:t>2016/8/12</a:t>
+              <a:t>2016/8/14</a:t>
             </a:fld>
             <a:endParaRPr lang="zh-CN" altLang="en-US"/>
           </a:p>
@@ -2272,7 +2272,7 @@
           <a:p>
             <a:fld id="{530820CF-B880-4189-942D-D702A7CBA730}" type="datetimeFigureOut">
               <a:rPr lang="zh-CN" altLang="en-US" smtClean="0"/>
-              <a:t>2016/8/12</a:t>
+              <a:t>2016/8/14</a:t>
             </a:fld>
             <a:endParaRPr lang="zh-CN" altLang="en-US"/>
           </a:p>
@@ -2499,7 +2499,7 @@
           <a:p>
             <a:fld id="{530820CF-B880-4189-942D-D702A7CBA730}" type="datetimeFigureOut">
               <a:rPr lang="zh-CN" altLang="en-US" smtClean="0"/>
-              <a:t>2016/8/12</a:t>
+              <a:t>2016/8/14</a:t>
             </a:fld>
             <a:endParaRPr lang="zh-CN" altLang="en-US"/>
           </a:p>
@@ -2589,7 +2589,7 @@
           <a:p>
             <a:fld id="{530820CF-B880-4189-942D-D702A7CBA730}" type="datetimeFigureOut">
               <a:rPr lang="zh-CN" altLang="en-US" smtClean="0"/>
-              <a:t>2016/8/12</a:t>
+              <a:t>2016/8/14</a:t>
             </a:fld>
             <a:endParaRPr lang="zh-CN" altLang="en-US"/>
           </a:p>
@@ -2877,7 +2877,7 @@
           <a:p>
             <a:fld id="{530820CF-B880-4189-942D-D702A7CBA730}" type="datetimeFigureOut">
               <a:rPr lang="zh-CN" altLang="en-US" smtClean="0"/>
-              <a:t>2016/8/12</a:t>
+              <a:t>2016/8/14</a:t>
             </a:fld>
             <a:endParaRPr lang="zh-CN" altLang="en-US"/>
           </a:p>
@@ -3146,7 +3146,7 @@
           <a:p>
             <a:fld id="{530820CF-B880-4189-942D-D702A7CBA730}" type="datetimeFigureOut">
               <a:rPr lang="zh-CN" altLang="en-US" smtClean="0"/>
-              <a:t>2016/8/12</a:t>
+              <a:t>2016/8/14</a:t>
             </a:fld>
             <a:endParaRPr lang="zh-CN" altLang="en-US"/>
           </a:p>
@@ -3356,7 +3356,7 @@
           <a:p>
             <a:fld id="{530820CF-B880-4189-942D-D702A7CBA730}" type="datetimeFigureOut">
               <a:rPr lang="zh-CN" altLang="en-US" smtClean="0"/>
-              <a:t>2016/8/12</a:t>
+              <a:t>2016/8/14</a:t>
             </a:fld>
             <a:endParaRPr lang="zh-CN" altLang="en-US"/>
           </a:p>
@@ -4375,29 +4375,6 @@
           <a:p>
             <a:endParaRPr lang="en-US" altLang="zh-CN" sz="2000" dirty="0"/>
           </a:p>
-          <a:p>
-            <a:r>
-              <a:rPr lang="en-US" altLang="zh-CN" sz="2000" dirty="0"/>
-              <a:t>These docs are written assuming you’ll be using </a:t>
-            </a:r>
-            <a:r>
-              <a:rPr lang="en-US" altLang="zh-CN" sz="2000" dirty="0" err="1"/>
-              <a:t>Gomega</a:t>
-            </a:r>
-            <a:r>
-              <a:rPr lang="en-US" altLang="zh-CN" sz="2000" dirty="0"/>
-              <a:t> with Ginkgo. They also assume you know your way around Go and have a good mental model for how Go organizes packages under </a:t>
-            </a:r>
-            <a:r>
-              <a:rPr lang="en-US" altLang="zh-CN" sz="2000" dirty="0"/>
-              <a:t>$GOPATH</a:t>
-            </a:r>
-            <a:r>
-              <a:rPr lang="en-US" altLang="zh-CN" sz="2000" dirty="0"/>
-              <a:t>.</a:t>
-            </a:r>
-            <a:endParaRPr lang="zh-CN" altLang="en-US" sz="2000" dirty="0"/>
-          </a:p>
         </p:txBody>
       </p:sp>
     </p:spTree>
@@ -4904,7 +4881,6 @@
               <a:rPr lang="en-US" altLang="zh-CN" sz="1400" dirty="0"/>
               <a:t>	})</a:t>
             </a:r>
-            <a:endParaRPr lang="en-US" altLang="zh-CN" sz="1400" dirty="0"/>
           </a:p>
         </p:txBody>
       </p:sp>
